--- a/File Report/database/lista operazioni.pptx
+++ b/File Report/database/lista operazioni.pptx
@@ -105,6 +105,11 @@
       </a:defRPr>
     </a:lvl9pPr>
   </p:defaultTextStyle>
+  <p:extLst>
+    <p:ext uri="{EFAFB233-063F-42B5-8137-9DF3F51BA10A}">
+      <p15:sldGuideLst xmlns:p15="http://schemas.microsoft.com/office/powerpoint/2012/main"/>
+    </p:ext>
+  </p:extLst>
 </p:presentation>
 </file>
 
@@ -2987,6 +2992,46 @@
           </a:prstGeom>
         </p:spPr>
       </p:pic>
+      <p:sp>
+        <p:nvSpPr>
+          <p:cNvPr id="2" name="Stella a 5 punte 1"/>
+          <p:cNvSpPr/>
+          <p:nvPr/>
+        </p:nvSpPr>
+        <p:spPr>
+          <a:xfrm>
+            <a:off x="6373504" y="2715904"/>
+            <a:ext cx="477672" cy="382138"/>
+          </a:xfrm>
+          <a:prstGeom prst="star5">
+            <a:avLst/>
+          </a:prstGeom>
+        </p:spPr>
+        <p:style>
+          <a:lnRef idx="2">
+            <a:schemeClr val="accent1">
+              <a:shade val="50000"/>
+            </a:schemeClr>
+          </a:lnRef>
+          <a:fillRef idx="1">
+            <a:schemeClr val="accent1"/>
+          </a:fillRef>
+          <a:effectRef idx="0">
+            <a:schemeClr val="accent1"/>
+          </a:effectRef>
+          <a:fontRef idx="minor">
+            <a:schemeClr val="lt1"/>
+          </a:fontRef>
+        </p:style>
+        <p:txBody>
+          <a:bodyPr rtlCol="0" anchor="ctr"/>
+          <a:lstStyle/>
+          <a:p>
+            <a:pPr algn="ctr"/>
+            <a:endParaRPr lang="it-IT"/>
+          </a:p>
+        </p:txBody>
+      </p:sp>
     </p:spTree>
     <p:extLst>
       <p:ext uri="{BB962C8B-B14F-4D97-AF65-F5344CB8AC3E}">

--- a/File Report/database/lista operazioni.pptx
+++ b/File Report/database/lista operazioni.pptx
@@ -244,7 +244,7 @@
           <a:p>
             <a:fld id="{0DAF859A-778D-45BB-B73F-DBDF9DC3F39E}" type="datetimeFigureOut">
               <a:rPr lang="it-IT" smtClean="0"/>
-              <a:t>23/04/2018</a:t>
+              <a:t>24/04/2018</a:t>
             </a:fld>
             <a:endParaRPr lang="it-IT"/>
           </a:p>
@@ -414,7 +414,7 @@
           <a:p>
             <a:fld id="{0DAF859A-778D-45BB-B73F-DBDF9DC3F39E}" type="datetimeFigureOut">
               <a:rPr lang="it-IT" smtClean="0"/>
-              <a:t>23/04/2018</a:t>
+              <a:t>24/04/2018</a:t>
             </a:fld>
             <a:endParaRPr lang="it-IT"/>
           </a:p>
@@ -594,7 +594,7 @@
           <a:p>
             <a:fld id="{0DAF859A-778D-45BB-B73F-DBDF9DC3F39E}" type="datetimeFigureOut">
               <a:rPr lang="it-IT" smtClean="0"/>
-              <a:t>23/04/2018</a:t>
+              <a:t>24/04/2018</a:t>
             </a:fld>
             <a:endParaRPr lang="it-IT"/>
           </a:p>
@@ -764,7 +764,7 @@
           <a:p>
             <a:fld id="{0DAF859A-778D-45BB-B73F-DBDF9DC3F39E}" type="datetimeFigureOut">
               <a:rPr lang="it-IT" smtClean="0"/>
-              <a:t>23/04/2018</a:t>
+              <a:t>24/04/2018</a:t>
             </a:fld>
             <a:endParaRPr lang="it-IT"/>
           </a:p>
@@ -1010,7 +1010,7 @@
           <a:p>
             <a:fld id="{0DAF859A-778D-45BB-B73F-DBDF9DC3F39E}" type="datetimeFigureOut">
               <a:rPr lang="it-IT" smtClean="0"/>
-              <a:t>23/04/2018</a:t>
+              <a:t>24/04/2018</a:t>
             </a:fld>
             <a:endParaRPr lang="it-IT"/>
           </a:p>
@@ -1242,7 +1242,7 @@
           <a:p>
             <a:fld id="{0DAF859A-778D-45BB-B73F-DBDF9DC3F39E}" type="datetimeFigureOut">
               <a:rPr lang="it-IT" smtClean="0"/>
-              <a:t>23/04/2018</a:t>
+              <a:t>24/04/2018</a:t>
             </a:fld>
             <a:endParaRPr lang="it-IT"/>
           </a:p>
@@ -1609,7 +1609,7 @@
           <a:p>
             <a:fld id="{0DAF859A-778D-45BB-B73F-DBDF9DC3F39E}" type="datetimeFigureOut">
               <a:rPr lang="it-IT" smtClean="0"/>
-              <a:t>23/04/2018</a:t>
+              <a:t>24/04/2018</a:t>
             </a:fld>
             <a:endParaRPr lang="it-IT"/>
           </a:p>
@@ -1727,7 +1727,7 @@
           <a:p>
             <a:fld id="{0DAF859A-778D-45BB-B73F-DBDF9DC3F39E}" type="datetimeFigureOut">
               <a:rPr lang="it-IT" smtClean="0"/>
-              <a:t>23/04/2018</a:t>
+              <a:t>24/04/2018</a:t>
             </a:fld>
             <a:endParaRPr lang="it-IT"/>
           </a:p>
@@ -1822,7 +1822,7 @@
           <a:p>
             <a:fld id="{0DAF859A-778D-45BB-B73F-DBDF9DC3F39E}" type="datetimeFigureOut">
               <a:rPr lang="it-IT" smtClean="0"/>
-              <a:t>23/04/2018</a:t>
+              <a:t>24/04/2018</a:t>
             </a:fld>
             <a:endParaRPr lang="it-IT"/>
           </a:p>
@@ -2099,7 +2099,7 @@
           <a:p>
             <a:fld id="{0DAF859A-778D-45BB-B73F-DBDF9DC3F39E}" type="datetimeFigureOut">
               <a:rPr lang="it-IT" smtClean="0"/>
-              <a:t>23/04/2018</a:t>
+              <a:t>24/04/2018</a:t>
             </a:fld>
             <a:endParaRPr lang="it-IT"/>
           </a:p>
@@ -2352,7 +2352,7 @@
           <a:p>
             <a:fld id="{0DAF859A-778D-45BB-B73F-DBDF9DC3F39E}" type="datetimeFigureOut">
               <a:rPr lang="it-IT" smtClean="0"/>
-              <a:t>23/04/2018</a:t>
+              <a:t>24/04/2018</a:t>
             </a:fld>
             <a:endParaRPr lang="it-IT"/>
           </a:p>
@@ -2565,7 +2565,7 @@
           <a:p>
             <a:fld id="{0DAF859A-778D-45BB-B73F-DBDF9DC3F39E}" type="datetimeFigureOut">
               <a:rPr lang="it-IT" smtClean="0"/>
-              <a:t>23/04/2018</a:t>
+              <a:t>24/04/2018</a:t>
             </a:fld>
             <a:endParaRPr lang="it-IT"/>
           </a:p>
@@ -3130,6 +3130,86 @@
           </a:p>
         </p:txBody>
       </p:sp>
+      <p:sp>
+        <p:nvSpPr>
+          <p:cNvPr id="2" name="Stella a 5 punte 1"/>
+          <p:cNvSpPr/>
+          <p:nvPr/>
+        </p:nvSpPr>
+        <p:spPr>
+          <a:xfrm>
+            <a:off x="6660108" y="2470244"/>
+            <a:ext cx="573206" cy="395785"/>
+          </a:xfrm>
+          <a:prstGeom prst="star5">
+            <a:avLst/>
+          </a:prstGeom>
+        </p:spPr>
+        <p:style>
+          <a:lnRef idx="2">
+            <a:schemeClr val="accent1">
+              <a:shade val="50000"/>
+            </a:schemeClr>
+          </a:lnRef>
+          <a:fillRef idx="1">
+            <a:schemeClr val="accent1"/>
+          </a:fillRef>
+          <a:effectRef idx="0">
+            <a:schemeClr val="accent1"/>
+          </a:effectRef>
+          <a:fontRef idx="minor">
+            <a:schemeClr val="lt1"/>
+          </a:fontRef>
+        </p:style>
+        <p:txBody>
+          <a:bodyPr rtlCol="0" anchor="ctr"/>
+          <a:lstStyle/>
+          <a:p>
+            <a:pPr algn="ctr"/>
+            <a:endParaRPr lang="it-IT"/>
+          </a:p>
+        </p:txBody>
+      </p:sp>
+      <p:sp>
+        <p:nvSpPr>
+          <p:cNvPr id="6" name="Stella a 5 punte 5"/>
+          <p:cNvSpPr/>
+          <p:nvPr/>
+        </p:nvSpPr>
+        <p:spPr>
+          <a:xfrm>
+            <a:off x="6660108" y="1926608"/>
+            <a:ext cx="573206" cy="395785"/>
+          </a:xfrm>
+          <a:prstGeom prst="star5">
+            <a:avLst/>
+          </a:prstGeom>
+        </p:spPr>
+        <p:style>
+          <a:lnRef idx="2">
+            <a:schemeClr val="accent1">
+              <a:shade val="50000"/>
+            </a:schemeClr>
+          </a:lnRef>
+          <a:fillRef idx="1">
+            <a:schemeClr val="accent1"/>
+          </a:fillRef>
+          <a:effectRef idx="0">
+            <a:schemeClr val="accent1"/>
+          </a:effectRef>
+          <a:fontRef idx="minor">
+            <a:schemeClr val="lt1"/>
+          </a:fontRef>
+        </p:style>
+        <p:txBody>
+          <a:bodyPr rtlCol="0" anchor="ctr"/>
+          <a:lstStyle/>
+          <a:p>
+            <a:pPr algn="ctr"/>
+            <a:endParaRPr lang="it-IT"/>
+          </a:p>
+        </p:txBody>
+      </p:sp>
     </p:spTree>
     <p:extLst>
       <p:ext uri="{BB962C8B-B14F-4D97-AF65-F5344CB8AC3E}">

--- a/File Report/database/lista operazioni.pptx
+++ b/File Report/database/lista operazioni.pptx
@@ -244,7 +244,7 @@
           <a:p>
             <a:fld id="{0DAF859A-778D-45BB-B73F-DBDF9DC3F39E}" type="datetimeFigureOut">
               <a:rPr lang="it-IT" smtClean="0"/>
-              <a:t>24/04/2018</a:t>
+              <a:t>26/04/2018</a:t>
             </a:fld>
             <a:endParaRPr lang="it-IT"/>
           </a:p>
@@ -414,7 +414,7 @@
           <a:p>
             <a:fld id="{0DAF859A-778D-45BB-B73F-DBDF9DC3F39E}" type="datetimeFigureOut">
               <a:rPr lang="it-IT" smtClean="0"/>
-              <a:t>24/04/2018</a:t>
+              <a:t>26/04/2018</a:t>
             </a:fld>
             <a:endParaRPr lang="it-IT"/>
           </a:p>
@@ -594,7 +594,7 @@
           <a:p>
             <a:fld id="{0DAF859A-778D-45BB-B73F-DBDF9DC3F39E}" type="datetimeFigureOut">
               <a:rPr lang="it-IT" smtClean="0"/>
-              <a:t>24/04/2018</a:t>
+              <a:t>26/04/2018</a:t>
             </a:fld>
             <a:endParaRPr lang="it-IT"/>
           </a:p>
@@ -764,7 +764,7 @@
           <a:p>
             <a:fld id="{0DAF859A-778D-45BB-B73F-DBDF9DC3F39E}" type="datetimeFigureOut">
               <a:rPr lang="it-IT" smtClean="0"/>
-              <a:t>24/04/2018</a:t>
+              <a:t>26/04/2018</a:t>
             </a:fld>
             <a:endParaRPr lang="it-IT"/>
           </a:p>
@@ -1010,7 +1010,7 @@
           <a:p>
             <a:fld id="{0DAF859A-778D-45BB-B73F-DBDF9DC3F39E}" type="datetimeFigureOut">
               <a:rPr lang="it-IT" smtClean="0"/>
-              <a:t>24/04/2018</a:t>
+              <a:t>26/04/2018</a:t>
             </a:fld>
             <a:endParaRPr lang="it-IT"/>
           </a:p>
@@ -1242,7 +1242,7 @@
           <a:p>
             <a:fld id="{0DAF859A-778D-45BB-B73F-DBDF9DC3F39E}" type="datetimeFigureOut">
               <a:rPr lang="it-IT" smtClean="0"/>
-              <a:t>24/04/2018</a:t>
+              <a:t>26/04/2018</a:t>
             </a:fld>
             <a:endParaRPr lang="it-IT"/>
           </a:p>
@@ -1609,7 +1609,7 @@
           <a:p>
             <a:fld id="{0DAF859A-778D-45BB-B73F-DBDF9DC3F39E}" type="datetimeFigureOut">
               <a:rPr lang="it-IT" smtClean="0"/>
-              <a:t>24/04/2018</a:t>
+              <a:t>26/04/2018</a:t>
             </a:fld>
             <a:endParaRPr lang="it-IT"/>
           </a:p>
@@ -1727,7 +1727,7 @@
           <a:p>
             <a:fld id="{0DAF859A-778D-45BB-B73F-DBDF9DC3F39E}" type="datetimeFigureOut">
               <a:rPr lang="it-IT" smtClean="0"/>
-              <a:t>24/04/2018</a:t>
+              <a:t>26/04/2018</a:t>
             </a:fld>
             <a:endParaRPr lang="it-IT"/>
           </a:p>
@@ -1822,7 +1822,7 @@
           <a:p>
             <a:fld id="{0DAF859A-778D-45BB-B73F-DBDF9DC3F39E}" type="datetimeFigureOut">
               <a:rPr lang="it-IT" smtClean="0"/>
-              <a:t>24/04/2018</a:t>
+              <a:t>26/04/2018</a:t>
             </a:fld>
             <a:endParaRPr lang="it-IT"/>
           </a:p>
@@ -2099,7 +2099,7 @@
           <a:p>
             <a:fld id="{0DAF859A-778D-45BB-B73F-DBDF9DC3F39E}" type="datetimeFigureOut">
               <a:rPr lang="it-IT" smtClean="0"/>
-              <a:t>24/04/2018</a:t>
+              <a:t>26/04/2018</a:t>
             </a:fld>
             <a:endParaRPr lang="it-IT"/>
           </a:p>
@@ -2352,7 +2352,7 @@
           <a:p>
             <a:fld id="{0DAF859A-778D-45BB-B73F-DBDF9DC3F39E}" type="datetimeFigureOut">
               <a:rPr lang="it-IT" smtClean="0"/>
-              <a:t>24/04/2018</a:t>
+              <a:t>26/04/2018</a:t>
             </a:fld>
             <a:endParaRPr lang="it-IT"/>
           </a:p>
@@ -2565,7 +2565,7 @@
           <a:p>
             <a:fld id="{0DAF859A-778D-45BB-B73F-DBDF9DC3F39E}" type="datetimeFigureOut">
               <a:rPr lang="it-IT" smtClean="0"/>
-              <a:t>24/04/2018</a:t>
+              <a:t>26/04/2018</a:t>
             </a:fld>
             <a:endParaRPr lang="it-IT"/>
           </a:p>
@@ -3032,6 +3032,36 @@
           </a:p>
         </p:txBody>
       </p:sp>
+      <p:cxnSp>
+        <p:nvCxnSpPr>
+          <p:cNvPr id="5" name="Connettore 1 4"/>
+          <p:cNvCxnSpPr/>
+          <p:nvPr/>
+        </p:nvCxnSpPr>
+        <p:spPr>
+          <a:xfrm>
+            <a:off x="668740" y="2715904"/>
+            <a:ext cx="7738281" cy="382138"/>
+          </a:xfrm>
+          <a:prstGeom prst="line">
+            <a:avLst/>
+          </a:prstGeom>
+        </p:spPr>
+        <p:style>
+          <a:lnRef idx="1">
+            <a:schemeClr val="accent1"/>
+          </a:lnRef>
+          <a:fillRef idx="0">
+            <a:schemeClr val="accent1"/>
+          </a:fillRef>
+          <a:effectRef idx="0">
+            <a:schemeClr val="accent1"/>
+          </a:effectRef>
+          <a:fontRef idx="minor">
+            <a:schemeClr val="tx1"/>
+          </a:fontRef>
+        </p:style>
+      </p:cxnSp>
     </p:spTree>
     <p:extLst>
       <p:ext uri="{BB962C8B-B14F-4D97-AF65-F5344CB8AC3E}">
@@ -3210,6 +3240,96 @@
           </a:p>
         </p:txBody>
       </p:sp>
+      <p:cxnSp>
+        <p:nvCxnSpPr>
+          <p:cNvPr id="7" name="Connettore 1 6"/>
+          <p:cNvCxnSpPr/>
+          <p:nvPr/>
+        </p:nvCxnSpPr>
+        <p:spPr>
+          <a:xfrm>
+            <a:off x="641445" y="3207224"/>
+            <a:ext cx="5827594" cy="27295"/>
+          </a:xfrm>
+          <a:prstGeom prst="line">
+            <a:avLst/>
+          </a:prstGeom>
+        </p:spPr>
+        <p:style>
+          <a:lnRef idx="1">
+            <a:schemeClr val="accent1"/>
+          </a:lnRef>
+          <a:fillRef idx="0">
+            <a:schemeClr val="accent1"/>
+          </a:fillRef>
+          <a:effectRef idx="0">
+            <a:schemeClr val="accent1"/>
+          </a:effectRef>
+          <a:fontRef idx="minor">
+            <a:schemeClr val="tx1"/>
+          </a:fontRef>
+        </p:style>
+      </p:cxnSp>
+      <p:cxnSp>
+        <p:nvCxnSpPr>
+          <p:cNvPr id="9" name="Connettore 1 8"/>
+          <p:cNvCxnSpPr/>
+          <p:nvPr/>
+        </p:nvCxnSpPr>
+        <p:spPr>
+          <a:xfrm>
+            <a:off x="955343" y="2593075"/>
+            <a:ext cx="6851176" cy="122829"/>
+          </a:xfrm>
+          <a:prstGeom prst="line">
+            <a:avLst/>
+          </a:prstGeom>
+        </p:spPr>
+        <p:style>
+          <a:lnRef idx="1">
+            <a:schemeClr val="accent1"/>
+          </a:lnRef>
+          <a:fillRef idx="0">
+            <a:schemeClr val="accent1"/>
+          </a:fillRef>
+          <a:effectRef idx="0">
+            <a:schemeClr val="accent1"/>
+          </a:effectRef>
+          <a:fontRef idx="minor">
+            <a:schemeClr val="tx1"/>
+          </a:fontRef>
+        </p:style>
+      </p:cxnSp>
+      <p:cxnSp>
+        <p:nvCxnSpPr>
+          <p:cNvPr id="11" name="Connettore 1 10"/>
+          <p:cNvCxnSpPr/>
+          <p:nvPr/>
+        </p:nvCxnSpPr>
+        <p:spPr>
+          <a:xfrm flipV="1">
+            <a:off x="846161" y="2101755"/>
+            <a:ext cx="7451678" cy="27296"/>
+          </a:xfrm>
+          <a:prstGeom prst="line">
+            <a:avLst/>
+          </a:prstGeom>
+        </p:spPr>
+        <p:style>
+          <a:lnRef idx="1">
+            <a:schemeClr val="accent1"/>
+          </a:lnRef>
+          <a:fillRef idx="0">
+            <a:schemeClr val="accent1"/>
+          </a:fillRef>
+          <a:effectRef idx="0">
+            <a:schemeClr val="accent1"/>
+          </a:effectRef>
+          <a:fontRef idx="minor">
+            <a:schemeClr val="tx1"/>
+          </a:fontRef>
+        </p:style>
+      </p:cxnSp>
     </p:spTree>
     <p:extLst>
       <p:ext uri="{BB962C8B-B14F-4D97-AF65-F5344CB8AC3E}">
